--- a/2차 팀프로젝트/6조_복사본_날씨-거리-만족도 기반의 제주도 관광지 추천(이현창,김동훈,김호경,윤지혜).pptx
+++ b/2차 팀프로젝트/6조_복사본_날씨-거리-만족도 기반의 제주도 관광지 추천(이현창,김동훈,김호경,윤지혜).pptx
@@ -5,7 +5,7 @@
     <p:sldMasterId id="2147483648" r:id="rId1"/>
   </p:sldMasterIdLst>
   <p:notesMasterIdLst>
-    <p:notesMasterId r:id="rId19"/>
+    <p:notesMasterId r:id="rId21"/>
   </p:notesMasterIdLst>
   <p:sldIdLst>
     <p:sldId id="271" r:id="rId2"/>
@@ -19,40 +19,42 @@
     <p:sldId id="280" r:id="rId10"/>
     <p:sldId id="283" r:id="rId11"/>
     <p:sldId id="289" r:id="rId12"/>
-    <p:sldId id="288" r:id="rId13"/>
-    <p:sldId id="287" r:id="rId14"/>
-    <p:sldId id="285" r:id="rId15"/>
-    <p:sldId id="286" r:id="rId16"/>
-    <p:sldId id="281" r:id="rId17"/>
-    <p:sldId id="282" r:id="rId18"/>
+    <p:sldId id="291" r:id="rId13"/>
+    <p:sldId id="288" r:id="rId14"/>
+    <p:sldId id="287" r:id="rId15"/>
+    <p:sldId id="285" r:id="rId16"/>
+    <p:sldId id="286" r:id="rId17"/>
+    <p:sldId id="281" r:id="rId18"/>
+    <p:sldId id="282" r:id="rId19"/>
+    <p:sldId id="290" r:id="rId20"/>
   </p:sldIdLst>
   <p:sldSz cx="12192000" cy="6858000"/>
   <p:notesSz cx="6858000" cy="9144000"/>
   <p:embeddedFontLst>
     <p:embeddedFont>
       <p:font typeface="나눔스퀘어" panose="020B0600000101010101" pitchFamily="50" charset="-127"/>
-      <p:regular r:id="rId20"/>
+      <p:regular r:id="rId22"/>
     </p:embeddedFont>
     <p:embeddedFont>
       <p:font typeface="나눔스퀘어 Bold" panose="020B0600000101010101" pitchFamily="50" charset="-127"/>
-      <p:bold r:id="rId21"/>
+      <p:bold r:id="rId23"/>
     </p:embeddedFont>
     <p:embeddedFont>
       <p:font typeface="나눔스퀘어 ExtraBold" panose="020B0600000101010101" pitchFamily="50" charset="-127"/>
-      <p:bold r:id="rId22"/>
+      <p:bold r:id="rId24"/>
     </p:embeddedFont>
     <p:embeddedFont>
       <p:font typeface="나눔스퀘어_ac Bold" panose="020B0600000101010101" pitchFamily="50" charset="-127"/>
-      <p:bold r:id="rId23"/>
+      <p:bold r:id="rId25"/>
     </p:embeddedFont>
     <p:embeddedFont>
       <p:font typeface="나눔스퀘어_ac ExtraBold" panose="020B0600000101010101" pitchFamily="50" charset="-127"/>
-      <p:bold r:id="rId24"/>
+      <p:bold r:id="rId26"/>
     </p:embeddedFont>
     <p:embeddedFont>
       <p:font typeface="맑은 고딕" panose="020B0503020000020004" pitchFamily="50" charset="-127"/>
-      <p:regular r:id="rId25"/>
-      <p:bold r:id="rId26"/>
+      <p:regular r:id="rId27"/>
+      <p:bold r:id="rId28"/>
     </p:embeddedFont>
   </p:embeddedFontLst>
   <p:defaultTextStyle>
@@ -266,7 +268,7 @@
           <a:p>
             <a:fld id="{C693DB27-7521-445E-89E4-09C135C969AD}" type="datetimeFigureOut">
               <a:rPr lang="ko-KR" altLang="en-US" smtClean="0"/>
-              <a:t>2020-01-20</a:t>
+              <a:t>2020-01-21</a:t>
             </a:fld>
             <a:endParaRPr lang="ko-KR" altLang="en-US"/>
           </a:p>
@@ -1194,161 +1196,6 @@
           <a:bodyPr/>
           <a:lstStyle/>
           <a:p>
-            <a:r>
-              <a:rPr lang="en-US" altLang="ko-KR" dirty="0"/>
-              <a:t>1</a:t>
-            </a:r>
-            <a:r>
-              <a:rPr lang="ko-KR" altLang="en-US" dirty="0"/>
-              <a:t>월 </a:t>
-            </a:r>
-            <a:r>
-              <a:rPr lang="en-US" altLang="ko-KR" dirty="0"/>
-              <a:t>16</a:t>
-            </a:r>
-            <a:r>
-              <a:rPr lang="ko-KR" altLang="en-US" dirty="0"/>
-              <a:t>일</a:t>
-            </a:r>
-            <a:r>
-              <a:rPr lang="en-US" altLang="ko-KR" dirty="0"/>
-              <a:t>~17</a:t>
-            </a:r>
-            <a:r>
-              <a:rPr lang="ko-KR" altLang="en-US" dirty="0"/>
-              <a:t>일 데이터 수집</a:t>
-            </a:r>
-            <a:r>
-              <a:rPr lang="en-US" altLang="ko-KR" dirty="0"/>
-              <a:t>, </a:t>
-            </a:r>
-            <a:r>
-              <a:rPr lang="ko-KR" altLang="en-US" dirty="0" err="1"/>
-              <a:t>크롤링</a:t>
-            </a:r>
-            <a:r>
-              <a:rPr lang="ko-KR" altLang="en-US" dirty="0"/>
-              <a:t> 및 분석</a:t>
-            </a:r>
-            <a:endParaRPr lang="en-US" altLang="ko-KR" dirty="0"/>
-          </a:p>
-          <a:p>
-            <a:r>
-              <a:rPr lang="en-US" altLang="ko-KR" dirty="0"/>
-              <a:t>1</a:t>
-            </a:r>
-            <a:r>
-              <a:rPr lang="ko-KR" altLang="en-US" dirty="0"/>
-              <a:t>월 </a:t>
-            </a:r>
-            <a:r>
-              <a:rPr lang="en-US" altLang="ko-KR" dirty="0"/>
-              <a:t>18</a:t>
-            </a:r>
-            <a:r>
-              <a:rPr lang="ko-KR" altLang="en-US" dirty="0"/>
-              <a:t>일</a:t>
-            </a:r>
-            <a:r>
-              <a:rPr lang="en-US" altLang="ko-KR" dirty="0"/>
-              <a:t>~19</a:t>
-            </a:r>
-            <a:r>
-              <a:rPr lang="ko-KR" altLang="en-US" dirty="0"/>
-              <a:t>일 데이터 </a:t>
-            </a:r>
-            <a:r>
-              <a:rPr lang="ko-KR" altLang="en-US" dirty="0" err="1"/>
-              <a:t>전처리</a:t>
-            </a:r>
-            <a:r>
-              <a:rPr lang="ko-KR" altLang="en-US" dirty="0"/>
-              <a:t> 및 모델 선정</a:t>
-            </a:r>
-            <a:endParaRPr lang="en-US" altLang="ko-KR" dirty="0"/>
-          </a:p>
-          <a:p>
-            <a:r>
-              <a:rPr lang="en-US" altLang="ko-KR" dirty="0"/>
-              <a:t>1</a:t>
-            </a:r>
-            <a:r>
-              <a:rPr lang="ko-KR" altLang="en-US" dirty="0"/>
-              <a:t>월 </a:t>
-            </a:r>
-            <a:r>
-              <a:rPr lang="en-US" altLang="ko-KR" dirty="0"/>
-              <a:t>20</a:t>
-            </a:r>
-            <a:r>
-              <a:rPr lang="ko-KR" altLang="en-US" dirty="0"/>
-              <a:t>일</a:t>
-            </a:r>
-            <a:r>
-              <a:rPr lang="en-US" altLang="ko-KR" dirty="0"/>
-              <a:t>~21</a:t>
-            </a:r>
-            <a:r>
-              <a:rPr lang="ko-KR" altLang="en-US" dirty="0"/>
-              <a:t>일 모델 개발 및 테스트</a:t>
-            </a:r>
-            <a:endParaRPr lang="en-US" altLang="ko-KR" dirty="0"/>
-          </a:p>
-          <a:p>
-            <a:r>
-              <a:rPr lang="en-US" altLang="ko-KR" dirty="0"/>
-              <a:t>1</a:t>
-            </a:r>
-            <a:r>
-              <a:rPr lang="ko-KR" altLang="en-US" dirty="0"/>
-              <a:t>월 </a:t>
-            </a:r>
-            <a:r>
-              <a:rPr lang="en-US" altLang="ko-KR" dirty="0"/>
-              <a:t>22</a:t>
-            </a:r>
-            <a:r>
-              <a:rPr lang="ko-KR" altLang="en-US" dirty="0"/>
-              <a:t>일</a:t>
-            </a:r>
-            <a:r>
-              <a:rPr lang="en-US" altLang="ko-KR" dirty="0"/>
-              <a:t> PPT</a:t>
-            </a:r>
-            <a:r>
-              <a:rPr lang="ko-KR" altLang="en-US" dirty="0"/>
-              <a:t>마무리 </a:t>
-            </a:r>
-            <a:r>
-              <a:rPr lang="en-US" altLang="ko-KR" dirty="0"/>
-              <a:t>, </a:t>
-            </a:r>
-            <a:r>
-              <a:rPr lang="ko-KR" altLang="en-US" dirty="0"/>
-              <a:t>발표 준비 및 제출 </a:t>
-            </a:r>
-            <a:endParaRPr lang="en-US" altLang="ko-KR" dirty="0"/>
-          </a:p>
-          <a:p>
-            <a:r>
-              <a:rPr lang="en-US" altLang="ko-KR" dirty="0"/>
-              <a:t>1</a:t>
-            </a:r>
-            <a:r>
-              <a:rPr lang="ko-KR" altLang="en-US" dirty="0"/>
-              <a:t>월 </a:t>
-            </a:r>
-            <a:r>
-              <a:rPr lang="en-US" altLang="ko-KR" dirty="0"/>
-              <a:t>23</a:t>
-            </a:r>
-            <a:r>
-              <a:rPr lang="ko-KR" altLang="en-US" dirty="0"/>
-              <a:t>일 발표</a:t>
-            </a:r>
-            <a:endParaRPr lang="en-US" altLang="ko-KR" dirty="0"/>
-          </a:p>
-          <a:p>
             <a:endParaRPr lang="ko-KR" altLang="en-US" dirty="0"/>
           </a:p>
         </p:txBody>
@@ -1370,7 +1217,246 @@
           <a:p>
             <a:fld id="{065A6369-E636-4F45-B9DF-C2632AAE4FBF}" type="slidenum">
               <a:rPr lang="ko-KR" altLang="en-US" smtClean="0"/>
-              <a:t>15</a:t>
+              <a:t>12</a:t>
+            </a:fld>
+            <a:endParaRPr lang="ko-KR" altLang="en-US"/>
+          </a:p>
+        </p:txBody>
+      </p:sp>
+    </p:spTree>
+    <p:extLst>
+      <p:ext uri="{BB962C8B-B14F-4D97-AF65-F5344CB8AC3E}">
+        <p14:creationId xmlns:p14="http://schemas.microsoft.com/office/powerpoint/2010/main" val="2169234664"/>
+      </p:ext>
+    </p:extLst>
+  </p:cSld>
+  <p:clrMapOvr>
+    <a:masterClrMapping/>
+  </p:clrMapOvr>
+</p:notes>
+</file>
+
+<file path=ppt/notesSlides/notesSlide7.xml><?xml version="1.0" encoding="utf-8"?>
+<p:notes xmlns:a="http://schemas.openxmlformats.org/drawingml/2006/main" xmlns:r="http://schemas.openxmlformats.org/officeDocument/2006/relationships" xmlns:p="http://schemas.openxmlformats.org/presentationml/2006/main">
+  <p:cSld>
+    <p:spTree>
+      <p:nvGrpSpPr>
+        <p:cNvPr id="1" name=""/>
+        <p:cNvGrpSpPr/>
+        <p:nvPr/>
+      </p:nvGrpSpPr>
+      <p:grpSpPr>
+        <a:xfrm>
+          <a:off x="0" y="0"/>
+          <a:ext cx="0" cy="0"/>
+          <a:chOff x="0" y="0"/>
+          <a:chExt cx="0" cy="0"/>
+        </a:xfrm>
+      </p:grpSpPr>
+      <p:sp>
+        <p:nvSpPr>
+          <p:cNvPr id="2" name="슬라이드 이미지 개체 틀 1"/>
+          <p:cNvSpPr>
+            <a:spLocks noGrp="1" noRot="1" noChangeAspect="1"/>
+          </p:cNvSpPr>
+          <p:nvPr>
+            <p:ph type="sldImg"/>
+          </p:nvPr>
+        </p:nvSpPr>
+        <p:spPr/>
+      </p:sp>
+      <p:sp>
+        <p:nvSpPr>
+          <p:cNvPr id="3" name="슬라이드 노트 개체 틀 2"/>
+          <p:cNvSpPr>
+            <a:spLocks noGrp="1"/>
+          </p:cNvSpPr>
+          <p:nvPr>
+            <p:ph type="body" idx="1"/>
+          </p:nvPr>
+        </p:nvSpPr>
+        <p:spPr/>
+        <p:txBody>
+          <a:bodyPr/>
+          <a:lstStyle/>
+          <a:p>
+            <a:r>
+              <a:rPr lang="en-US" altLang="ko-KR" dirty="0"/>
+              <a:t>1</a:t>
+            </a:r>
+            <a:r>
+              <a:rPr lang="ko-KR" altLang="en-US" dirty="0"/>
+              <a:t>월 </a:t>
+            </a:r>
+            <a:r>
+              <a:rPr lang="en-US" altLang="ko-KR" dirty="0"/>
+              <a:t>16</a:t>
+            </a:r>
+            <a:r>
+              <a:rPr lang="ko-KR" altLang="en-US" dirty="0"/>
+              <a:t>일</a:t>
+            </a:r>
+            <a:r>
+              <a:rPr lang="en-US" altLang="ko-KR" dirty="0"/>
+              <a:t>~17</a:t>
+            </a:r>
+            <a:r>
+              <a:rPr lang="ko-KR" altLang="en-US" dirty="0"/>
+              <a:t>일 데이터 수집</a:t>
+            </a:r>
+            <a:r>
+              <a:rPr lang="en-US" altLang="ko-KR" dirty="0"/>
+              <a:t>, </a:t>
+            </a:r>
+            <a:r>
+              <a:rPr lang="ko-KR" altLang="en-US" dirty="0" err="1"/>
+              <a:t>크롤링</a:t>
+            </a:r>
+            <a:r>
+              <a:rPr lang="ko-KR" altLang="en-US" dirty="0"/>
+              <a:t> 및 분석</a:t>
+            </a:r>
+            <a:endParaRPr lang="en-US" altLang="ko-KR" dirty="0"/>
+          </a:p>
+          <a:p>
+            <a:r>
+              <a:rPr lang="en-US" altLang="ko-KR" dirty="0"/>
+              <a:t>1</a:t>
+            </a:r>
+            <a:r>
+              <a:rPr lang="ko-KR" altLang="en-US" dirty="0"/>
+              <a:t>월 </a:t>
+            </a:r>
+            <a:r>
+              <a:rPr lang="en-US" altLang="ko-KR" dirty="0"/>
+              <a:t>18</a:t>
+            </a:r>
+            <a:r>
+              <a:rPr lang="ko-KR" altLang="en-US" dirty="0"/>
+              <a:t>일</a:t>
+            </a:r>
+            <a:r>
+              <a:rPr lang="en-US" altLang="ko-KR" dirty="0"/>
+              <a:t>~19</a:t>
+            </a:r>
+            <a:r>
+              <a:rPr lang="ko-KR" altLang="en-US" dirty="0"/>
+              <a:t>일 데이터 </a:t>
+            </a:r>
+            <a:r>
+              <a:rPr lang="ko-KR" altLang="en-US" dirty="0" err="1"/>
+              <a:t>전처리</a:t>
+            </a:r>
+            <a:r>
+              <a:rPr lang="ko-KR" altLang="en-US" dirty="0"/>
+              <a:t> 및 모델 선정</a:t>
+            </a:r>
+            <a:endParaRPr lang="en-US" altLang="ko-KR" dirty="0"/>
+          </a:p>
+          <a:p>
+            <a:r>
+              <a:rPr lang="en-US" altLang="ko-KR" dirty="0"/>
+              <a:t>1</a:t>
+            </a:r>
+            <a:r>
+              <a:rPr lang="ko-KR" altLang="en-US" dirty="0"/>
+              <a:t>월 </a:t>
+            </a:r>
+            <a:r>
+              <a:rPr lang="en-US" altLang="ko-KR" dirty="0"/>
+              <a:t>20</a:t>
+            </a:r>
+            <a:r>
+              <a:rPr lang="ko-KR" altLang="en-US" dirty="0"/>
+              <a:t>일</a:t>
+            </a:r>
+            <a:r>
+              <a:rPr lang="en-US" altLang="ko-KR" dirty="0"/>
+              <a:t>~21</a:t>
+            </a:r>
+            <a:r>
+              <a:rPr lang="ko-KR" altLang="en-US" dirty="0"/>
+              <a:t>일 모델 개발 및 테스트</a:t>
+            </a:r>
+            <a:endParaRPr lang="en-US" altLang="ko-KR" dirty="0"/>
+          </a:p>
+          <a:p>
+            <a:r>
+              <a:rPr lang="en-US" altLang="ko-KR" dirty="0"/>
+              <a:t>1</a:t>
+            </a:r>
+            <a:r>
+              <a:rPr lang="ko-KR" altLang="en-US" dirty="0"/>
+              <a:t>월 </a:t>
+            </a:r>
+            <a:r>
+              <a:rPr lang="en-US" altLang="ko-KR" dirty="0"/>
+              <a:t>22</a:t>
+            </a:r>
+            <a:r>
+              <a:rPr lang="ko-KR" altLang="en-US" dirty="0"/>
+              <a:t>일</a:t>
+            </a:r>
+            <a:r>
+              <a:rPr lang="en-US" altLang="ko-KR" dirty="0"/>
+              <a:t> PPT</a:t>
+            </a:r>
+            <a:r>
+              <a:rPr lang="ko-KR" altLang="en-US" dirty="0"/>
+              <a:t>마무리 </a:t>
+            </a:r>
+            <a:r>
+              <a:rPr lang="en-US" altLang="ko-KR" dirty="0"/>
+              <a:t>, </a:t>
+            </a:r>
+            <a:r>
+              <a:rPr lang="ko-KR" altLang="en-US" dirty="0"/>
+              <a:t>발표 준비 및 제출 </a:t>
+            </a:r>
+            <a:endParaRPr lang="en-US" altLang="ko-KR" dirty="0"/>
+          </a:p>
+          <a:p>
+            <a:r>
+              <a:rPr lang="en-US" altLang="ko-KR" dirty="0"/>
+              <a:t>1</a:t>
+            </a:r>
+            <a:r>
+              <a:rPr lang="ko-KR" altLang="en-US" dirty="0"/>
+              <a:t>월 </a:t>
+            </a:r>
+            <a:r>
+              <a:rPr lang="en-US" altLang="ko-KR" dirty="0"/>
+              <a:t>23</a:t>
+            </a:r>
+            <a:r>
+              <a:rPr lang="ko-KR" altLang="en-US" dirty="0"/>
+              <a:t>일 발표</a:t>
+            </a:r>
+            <a:endParaRPr lang="en-US" altLang="ko-KR" dirty="0"/>
+          </a:p>
+          <a:p>
+            <a:endParaRPr lang="ko-KR" altLang="en-US" dirty="0"/>
+          </a:p>
+        </p:txBody>
+      </p:sp>
+      <p:sp>
+        <p:nvSpPr>
+          <p:cNvPr id="4" name="슬라이드 번호 개체 틀 3"/>
+          <p:cNvSpPr>
+            <a:spLocks noGrp="1"/>
+          </p:cNvSpPr>
+          <p:nvPr>
+            <p:ph type="sldNum" sz="quarter" idx="5"/>
+          </p:nvPr>
+        </p:nvSpPr>
+        <p:spPr/>
+        <p:txBody>
+          <a:bodyPr/>
+          <a:lstStyle/>
+          <a:p>
+            <a:fld id="{065A6369-E636-4F45-B9DF-C2632AAE4FBF}" type="slidenum">
+              <a:rPr lang="ko-KR" altLang="en-US" smtClean="0"/>
+              <a:t>16</a:t>
             </a:fld>
             <a:endParaRPr lang="ko-KR" altLang="en-US"/>
           </a:p>
@@ -1621,7 +1707,7 @@
           <a:p>
             <a:fld id="{7D273AF2-201B-418F-B8B2-7E4D7387CD19}" type="datetimeFigureOut">
               <a:rPr lang="ko-KR" altLang="en-US" smtClean="0"/>
-              <a:t>2020-01-20</a:t>
+              <a:t>2020-01-21</a:t>
             </a:fld>
             <a:endParaRPr lang="ko-KR" altLang="en-US"/>
           </a:p>
@@ -1873,7 +1959,7 @@
           <a:p>
             <a:fld id="{7D273AF2-201B-418F-B8B2-7E4D7387CD19}" type="datetimeFigureOut">
               <a:rPr lang="ko-KR" altLang="en-US" smtClean="0"/>
-              <a:t>2020-01-20</a:t>
+              <a:t>2020-01-21</a:t>
             </a:fld>
             <a:endParaRPr lang="ko-KR" altLang="en-US"/>
           </a:p>
@@ -2109,7 +2195,7 @@
           <a:p>
             <a:fld id="{7D273AF2-201B-418F-B8B2-7E4D7387CD19}" type="datetimeFigureOut">
               <a:rPr lang="ko-KR" altLang="en-US" smtClean="0"/>
-              <a:t>2020-01-20</a:t>
+              <a:t>2020-01-21</a:t>
             </a:fld>
             <a:endParaRPr lang="ko-KR" altLang="en-US"/>
           </a:p>
@@ -2282,7 +2368,7 @@
           <a:p>
             <a:fld id="{7D273AF2-201B-418F-B8B2-7E4D7387CD19}" type="datetimeFigureOut">
               <a:rPr lang="ko-KR" altLang="en-US" smtClean="0"/>
-              <a:t>2020-01-20</a:t>
+              <a:t>2020-01-21</a:t>
             </a:fld>
             <a:endParaRPr lang="ko-KR" altLang="en-US"/>
           </a:p>
@@ -2588,7 +2674,7 @@
           <a:p>
             <a:fld id="{7D273AF2-201B-418F-B8B2-7E4D7387CD19}" type="datetimeFigureOut">
               <a:rPr lang="ko-KR" altLang="en-US" smtClean="0"/>
-              <a:t>2020-01-20</a:t>
+              <a:t>2020-01-21</a:t>
             </a:fld>
             <a:endParaRPr lang="ko-KR" altLang="en-US"/>
           </a:p>
@@ -2979,7 +3065,7 @@
           <a:p>
             <a:fld id="{7D273AF2-201B-418F-B8B2-7E4D7387CD19}" type="datetimeFigureOut">
               <a:rPr lang="ko-KR" altLang="en-US" smtClean="0"/>
-              <a:t>2020-01-20</a:t>
+              <a:t>2020-01-21</a:t>
             </a:fld>
             <a:endParaRPr lang="ko-KR" altLang="en-US"/>
           </a:p>
@@ -3343,7 +3429,7 @@
           <a:p>
             <a:fld id="{7D273AF2-201B-418F-B8B2-7E4D7387CD19}" type="datetimeFigureOut">
               <a:rPr lang="ko-KR" altLang="en-US" smtClean="0"/>
-              <a:t>2020-01-20</a:t>
+              <a:t>2020-01-21</a:t>
             </a:fld>
             <a:endParaRPr lang="ko-KR" altLang="en-US"/>
           </a:p>
@@ -3460,7 +3546,7 @@
           <a:p>
             <a:fld id="{7D273AF2-201B-418F-B8B2-7E4D7387CD19}" type="datetimeFigureOut">
               <a:rPr lang="ko-KR" altLang="en-US" smtClean="0"/>
-              <a:t>2020-01-20</a:t>
+              <a:t>2020-01-21</a:t>
             </a:fld>
             <a:endParaRPr lang="ko-KR" altLang="en-US"/>
           </a:p>
@@ -3555,7 +3641,7 @@
           <a:p>
             <a:fld id="{7D273AF2-201B-418F-B8B2-7E4D7387CD19}" type="datetimeFigureOut">
               <a:rPr lang="ko-KR" altLang="en-US" smtClean="0"/>
-              <a:t>2020-01-20</a:t>
+              <a:t>2020-01-21</a:t>
             </a:fld>
             <a:endParaRPr lang="ko-KR" altLang="en-US"/>
           </a:p>
@@ -3830,7 +3916,7 @@
           <a:p>
             <a:fld id="{7D273AF2-201B-418F-B8B2-7E4D7387CD19}" type="datetimeFigureOut">
               <a:rPr lang="ko-KR" altLang="en-US" smtClean="0"/>
-              <a:t>2020-01-20</a:t>
+              <a:t>2020-01-21</a:t>
             </a:fld>
             <a:endParaRPr lang="ko-KR" altLang="en-US"/>
           </a:p>
@@ -4041,7 +4127,7 @@
           <a:p>
             <a:fld id="{7D273AF2-201B-418F-B8B2-7E4D7387CD19}" type="datetimeFigureOut">
               <a:rPr lang="ko-KR" altLang="en-US" smtClean="0"/>
-              <a:t>2020-01-20</a:t>
+              <a:t>2020-01-21</a:t>
             </a:fld>
             <a:endParaRPr lang="ko-KR" altLang="en-US"/>
           </a:p>
@@ -6302,6 +6388,145 @@
       </p:grpSpPr>
       <p:sp>
         <p:nvSpPr>
+          <p:cNvPr id="2" name="제목 1">
+            <a:extLst>
+              <a:ext uri="{FF2B5EF4-FFF2-40B4-BE49-F238E27FC236}">
+                <a16:creationId xmlns:a16="http://schemas.microsoft.com/office/drawing/2014/main" id="{E38B5A96-C237-4DF2-A46B-B6CCD1FD0F3D}"/>
+              </a:ext>
+            </a:extLst>
+          </p:cNvPr>
+          <p:cNvSpPr>
+            <a:spLocks noGrp="1"/>
+          </p:cNvSpPr>
+          <p:nvPr>
+            <p:ph type="title"/>
+          </p:nvPr>
+        </p:nvSpPr>
+        <p:spPr/>
+        <p:txBody>
+          <a:bodyPr/>
+          <a:lstStyle/>
+          <a:p>
+            <a:r>
+              <a:rPr lang="en-US" altLang="ko-KR" dirty="0"/>
+              <a:t>3.</a:t>
+            </a:r>
+            <a:r>
+              <a:rPr lang="ko-KR" altLang="en-US" dirty="0"/>
+              <a:t>모델을 만든 이유</a:t>
+            </a:r>
+          </a:p>
+        </p:txBody>
+      </p:sp>
+      <p:pic>
+        <p:nvPicPr>
+          <p:cNvPr id="5" name="내용 개체 틀 4">
+            <a:extLst>
+              <a:ext uri="{FF2B5EF4-FFF2-40B4-BE49-F238E27FC236}">
+                <a16:creationId xmlns:a16="http://schemas.microsoft.com/office/drawing/2014/main" id="{581313C2-D9A3-4D62-9E54-41B6315C546E}"/>
+              </a:ext>
+            </a:extLst>
+          </p:cNvPr>
+          <p:cNvPicPr>
+            <a:picLocks noGrp="1" noChangeAspect="1"/>
+          </p:cNvPicPr>
+          <p:nvPr>
+            <p:ph idx="1"/>
+          </p:nvPr>
+        </p:nvPicPr>
+        <p:blipFill>
+          <a:blip r:embed="rId3">
+            <a:extLst>
+              <a:ext uri="{28A0092B-C50C-407E-A947-70E740481C1C}">
+                <a14:useLocalDpi xmlns:a14="http://schemas.microsoft.com/office/drawing/2010/main" val="0"/>
+              </a:ext>
+            </a:extLst>
+          </a:blip>
+          <a:stretch>
+            <a:fillRect/>
+          </a:stretch>
+        </p:blipFill>
+        <p:spPr>
+          <a:xfrm>
+            <a:off x="1767703" y="948284"/>
+            <a:ext cx="8656594" cy="4927600"/>
+          </a:xfrm>
+        </p:spPr>
+      </p:pic>
+      <p:sp>
+        <p:nvSpPr>
+          <p:cNvPr id="6" name="TextBox 5">
+            <a:extLst>
+              <a:ext uri="{FF2B5EF4-FFF2-40B4-BE49-F238E27FC236}">
+                <a16:creationId xmlns:a16="http://schemas.microsoft.com/office/drawing/2014/main" id="{A957FFF8-EE35-4CA6-BF2F-9C64B2AF37A3}"/>
+              </a:ext>
+            </a:extLst>
+          </p:cNvPr>
+          <p:cNvSpPr txBox="1"/>
+          <p:nvPr/>
+        </p:nvSpPr>
+        <p:spPr>
+          <a:xfrm>
+            <a:off x="2364059" y="5875884"/>
+            <a:ext cx="7660887" cy="369332"/>
+          </a:xfrm>
+          <a:prstGeom prst="rect">
+            <a:avLst/>
+          </a:prstGeom>
+          <a:noFill/>
+        </p:spPr>
+        <p:txBody>
+          <a:bodyPr wrap="square" rtlCol="0">
+            <a:spAutoFit/>
+          </a:bodyPr>
+          <a:lstStyle/>
+          <a:p>
+            <a:r>
+              <a:rPr lang="ko-KR" altLang="en-US" dirty="0" err="1"/>
+              <a:t>기상청날씨마루</a:t>
+            </a:r>
+            <a:r>
+              <a:rPr lang="ko-KR" altLang="en-US" dirty="0"/>
+              <a:t> 에서 검색가능 그러나 직선으로만 추천해줌</a:t>
+            </a:r>
+          </a:p>
+        </p:txBody>
+      </p:sp>
+    </p:spTree>
+    <p:extLst>
+      <p:ext uri="{BB962C8B-B14F-4D97-AF65-F5344CB8AC3E}">
+        <p14:creationId xmlns:p14="http://schemas.microsoft.com/office/powerpoint/2010/main" val="3656937721"/>
+      </p:ext>
+    </p:extLst>
+  </p:cSld>
+  <p:clrMapOvr>
+    <a:masterClrMapping/>
+  </p:clrMapOvr>
+  <p:transition spd="slow">
+    <p:push dir="u"/>
+  </p:transition>
+</p:sld>
+</file>
+
+<file path=ppt/slides/slide13.xml><?xml version="1.0" encoding="utf-8"?>
+<p:sld xmlns:a="http://schemas.openxmlformats.org/drawingml/2006/main" xmlns:r="http://schemas.openxmlformats.org/officeDocument/2006/relationships" xmlns:p="http://schemas.openxmlformats.org/presentationml/2006/main">
+  <p:cSld>
+    <p:spTree>
+      <p:nvGrpSpPr>
+        <p:cNvPr id="1" name=""/>
+        <p:cNvGrpSpPr/>
+        <p:nvPr/>
+      </p:nvGrpSpPr>
+      <p:grpSpPr>
+        <a:xfrm>
+          <a:off x="0" y="0"/>
+          <a:ext cx="0" cy="0"/>
+          <a:chOff x="0" y="0"/>
+          <a:chExt cx="0" cy="0"/>
+        </a:xfrm>
+      </p:grpSpPr>
+      <p:sp>
+        <p:nvSpPr>
           <p:cNvPr id="4" name="제목 3">
             <a:extLst>
               <a:ext uri="{FF2B5EF4-FFF2-40B4-BE49-F238E27FC236}">
@@ -6348,7 +6573,7 @@
 </p:sld>
 </file>
 
-<file path=ppt/slides/slide13.xml><?xml version="1.0" encoding="utf-8"?>
+<file path=ppt/slides/slide14.xml><?xml version="1.0" encoding="utf-8"?>
 <p:sld xmlns:a="http://schemas.openxmlformats.org/drawingml/2006/main" xmlns:r="http://schemas.openxmlformats.org/officeDocument/2006/relationships" xmlns:p="http://schemas.openxmlformats.org/presentationml/2006/main">
   <p:cSld>
     <p:spTree>
@@ -10112,7 +10337,7 @@
 </p:sld>
 </file>
 
-<file path=ppt/slides/slide14.xml><?xml version="1.0" encoding="utf-8"?>
+<file path=ppt/slides/slide15.xml><?xml version="1.0" encoding="utf-8"?>
 <p:sld xmlns:a="http://schemas.openxmlformats.org/drawingml/2006/main" xmlns:r="http://schemas.openxmlformats.org/officeDocument/2006/relationships" xmlns:p="http://schemas.openxmlformats.org/presentationml/2006/main">
   <p:cSld>
     <p:spTree>
@@ -10177,7 +10402,7 @@
 </p:sld>
 </file>
 
-<file path=ppt/slides/slide15.xml><?xml version="1.0" encoding="utf-8"?>
+<file path=ppt/slides/slide16.xml><?xml version="1.0" encoding="utf-8"?>
 <p:sld xmlns:a="http://schemas.openxmlformats.org/drawingml/2006/main" xmlns:r="http://schemas.openxmlformats.org/officeDocument/2006/relationships" xmlns:p="http://schemas.openxmlformats.org/presentationml/2006/main">
   <p:cSld>
     <p:spTree>
@@ -10808,65 +11033,6 @@
 </p:sld>
 </file>
 
-<file path=ppt/slides/slide16.xml><?xml version="1.0" encoding="utf-8"?>
-<p:sld xmlns:a="http://schemas.openxmlformats.org/drawingml/2006/main" xmlns:r="http://schemas.openxmlformats.org/officeDocument/2006/relationships" xmlns:p="http://schemas.openxmlformats.org/presentationml/2006/main">
-  <p:cSld>
-    <p:spTree>
-      <p:nvGrpSpPr>
-        <p:cNvPr id="1" name=""/>
-        <p:cNvGrpSpPr/>
-        <p:nvPr/>
-      </p:nvGrpSpPr>
-      <p:grpSpPr>
-        <a:xfrm>
-          <a:off x="0" y="0"/>
-          <a:ext cx="0" cy="0"/>
-          <a:chOff x="0" y="0"/>
-          <a:chExt cx="0" cy="0"/>
-        </a:xfrm>
-      </p:grpSpPr>
-      <p:sp>
-        <p:nvSpPr>
-          <p:cNvPr id="4" name="제목 3"/>
-          <p:cNvSpPr>
-            <a:spLocks noGrp="1"/>
-          </p:cNvSpPr>
-          <p:nvPr>
-            <p:ph type="title"/>
-          </p:nvPr>
-        </p:nvSpPr>
-        <p:spPr/>
-        <p:txBody>
-          <a:bodyPr/>
-          <a:lstStyle/>
-          <a:p>
-            <a:r>
-              <a:rPr lang="en-US" altLang="ko-KR" dirty="0"/>
-              <a:t>6. </a:t>
-            </a:r>
-            <a:r>
-              <a:rPr lang="ko-KR" altLang="en-US" dirty="0"/>
-              <a:t>참고 문헌</a:t>
-            </a:r>
-          </a:p>
-        </p:txBody>
-      </p:sp>
-    </p:spTree>
-    <p:extLst>
-      <p:ext uri="{BB962C8B-B14F-4D97-AF65-F5344CB8AC3E}">
-        <p14:creationId xmlns:p14="http://schemas.microsoft.com/office/powerpoint/2010/main" val="316178173"/>
-      </p:ext>
-    </p:extLst>
-  </p:cSld>
-  <p:clrMapOvr>
-    <a:masterClrMapping/>
-  </p:clrMapOvr>
-  <p:transition spd="slow">
-    <p:push dir="u"/>
-  </p:transition>
-</p:sld>
-</file>
-
 <file path=ppt/slides/slide17.xml><?xml version="1.0" encoding="utf-8"?>
 <p:sld xmlns:a="http://schemas.openxmlformats.org/drawingml/2006/main" xmlns:r="http://schemas.openxmlformats.org/officeDocument/2006/relationships" xmlns:p="http://schemas.openxmlformats.org/presentationml/2006/main">
   <p:cSld>
@@ -10886,6 +11052,65 @@
       </p:grpSpPr>
       <p:sp>
         <p:nvSpPr>
+          <p:cNvPr id="4" name="제목 3"/>
+          <p:cNvSpPr>
+            <a:spLocks noGrp="1"/>
+          </p:cNvSpPr>
+          <p:nvPr>
+            <p:ph type="title"/>
+          </p:nvPr>
+        </p:nvSpPr>
+        <p:spPr/>
+        <p:txBody>
+          <a:bodyPr/>
+          <a:lstStyle/>
+          <a:p>
+            <a:r>
+              <a:rPr lang="en-US" altLang="ko-KR" dirty="0"/>
+              <a:t>6. </a:t>
+            </a:r>
+            <a:r>
+              <a:rPr lang="ko-KR" altLang="en-US" dirty="0"/>
+              <a:t>참고 문헌</a:t>
+            </a:r>
+          </a:p>
+        </p:txBody>
+      </p:sp>
+    </p:spTree>
+    <p:extLst>
+      <p:ext uri="{BB962C8B-B14F-4D97-AF65-F5344CB8AC3E}">
+        <p14:creationId xmlns:p14="http://schemas.microsoft.com/office/powerpoint/2010/main" val="316178173"/>
+      </p:ext>
+    </p:extLst>
+  </p:cSld>
+  <p:clrMapOvr>
+    <a:masterClrMapping/>
+  </p:clrMapOvr>
+  <p:transition spd="slow">
+    <p:push dir="u"/>
+  </p:transition>
+</p:sld>
+</file>
+
+<file path=ppt/slides/slide18.xml><?xml version="1.0" encoding="utf-8"?>
+<p:sld xmlns:a="http://schemas.openxmlformats.org/drawingml/2006/main" xmlns:r="http://schemas.openxmlformats.org/officeDocument/2006/relationships" xmlns:p="http://schemas.openxmlformats.org/presentationml/2006/main">
+  <p:cSld>
+    <p:spTree>
+      <p:nvGrpSpPr>
+        <p:cNvPr id="1" name=""/>
+        <p:cNvGrpSpPr/>
+        <p:nvPr/>
+      </p:nvGrpSpPr>
+      <p:grpSpPr>
+        <a:xfrm>
+          <a:off x="0" y="0"/>
+          <a:ext cx="0" cy="0"/>
+          <a:chOff x="0" y="0"/>
+          <a:chExt cx="0" cy="0"/>
+        </a:xfrm>
+      </p:grpSpPr>
+      <p:sp>
+        <p:nvSpPr>
           <p:cNvPr id="3" name="제목 2"/>
           <p:cNvSpPr>
             <a:spLocks noGrp="1"/>
@@ -10983,6 +11208,86 @@
     <p:extLst>
       <p:ext uri="{BB962C8B-B14F-4D97-AF65-F5344CB8AC3E}">
         <p14:creationId xmlns:p14="http://schemas.microsoft.com/office/powerpoint/2010/main" val="3770077898"/>
+      </p:ext>
+    </p:extLst>
+  </p:cSld>
+  <p:clrMapOvr>
+    <a:masterClrMapping/>
+  </p:clrMapOvr>
+  <p:transition spd="slow">
+    <p:push dir="u"/>
+  </p:transition>
+</p:sld>
+</file>
+
+<file path=ppt/slides/slide19.xml><?xml version="1.0" encoding="utf-8"?>
+<p:sld xmlns:a="http://schemas.openxmlformats.org/drawingml/2006/main" xmlns:r="http://schemas.openxmlformats.org/officeDocument/2006/relationships" xmlns:p="http://schemas.openxmlformats.org/presentationml/2006/main">
+  <p:cSld>
+    <p:spTree>
+      <p:nvGrpSpPr>
+        <p:cNvPr id="1" name=""/>
+        <p:cNvGrpSpPr/>
+        <p:nvPr/>
+      </p:nvGrpSpPr>
+      <p:grpSpPr>
+        <a:xfrm>
+          <a:off x="0" y="0"/>
+          <a:ext cx="0" cy="0"/>
+          <a:chOff x="0" y="0"/>
+          <a:chExt cx="0" cy="0"/>
+        </a:xfrm>
+      </p:grpSpPr>
+      <p:sp>
+        <p:nvSpPr>
+          <p:cNvPr id="3" name="제목 2"/>
+          <p:cNvSpPr>
+            <a:spLocks noGrp="1"/>
+          </p:cNvSpPr>
+          <p:nvPr>
+            <p:ph type="title"/>
+          </p:nvPr>
+        </p:nvSpPr>
+        <p:spPr/>
+        <p:txBody>
+          <a:bodyPr/>
+          <a:lstStyle/>
+          <a:p>
+            <a:r>
+              <a:rPr lang="en-US" altLang="ko-KR" dirty="0"/>
+              <a:t>6. </a:t>
+            </a:r>
+            <a:r>
+              <a:rPr lang="ko-KR" altLang="en-US" dirty="0"/>
+              <a:t>참고 문헌</a:t>
+            </a:r>
+          </a:p>
+        </p:txBody>
+      </p:sp>
+      <p:sp>
+        <p:nvSpPr>
+          <p:cNvPr id="4" name="내용 개체 틀 3"/>
+          <p:cNvSpPr>
+            <a:spLocks noGrp="1"/>
+          </p:cNvSpPr>
+          <p:nvPr>
+            <p:ph idx="1"/>
+          </p:nvPr>
+        </p:nvSpPr>
+        <p:spPr/>
+        <p:txBody>
+          <a:bodyPr>
+            <a:normAutofit/>
+          </a:bodyPr>
+          <a:lstStyle/>
+          <a:p>
+            <a:endParaRPr lang="ko-KR" altLang="en-US" sz="1800" dirty="0"/>
+          </a:p>
+        </p:txBody>
+      </p:sp>
+    </p:spTree>
+    <p:extLst>
+      <p:ext uri="{BB962C8B-B14F-4D97-AF65-F5344CB8AC3E}">
+        <p14:creationId xmlns:p14="http://schemas.microsoft.com/office/powerpoint/2010/main" val="2373269741"/>
       </p:ext>
     </p:extLst>
   </p:cSld>
@@ -12772,7 +13077,7 @@
         </p:nvGrpSpPr>
         <p:grpSpPr>
           <a:xfrm>
-            <a:off x="9064519" y="3412830"/>
+            <a:off x="9064520" y="3412830"/>
             <a:ext cx="2744508" cy="2595095"/>
             <a:chOff x="3422330" y="3580993"/>
             <a:chExt cx="2744508" cy="2595095"/>
